--- a/Project1-Presentation.pptx
+++ b/Project1-Presentation.pptx
@@ -3979,13 +3979,13 @@
         </p:nvSpPr>
         <p:spPr>
           <a:xfrm>
-            <a:off x="1048494" y="1459176"/>
+            <a:off x="925204" y="1346160"/>
             <a:ext cx="10603787" cy="4955319"/>
           </a:xfrm>
         </p:spPr>
         <p:txBody>
           <a:bodyPr>
-            <a:normAutofit lnSpcReduction="10000"/>
+            <a:normAutofit fontScale="92500" lnSpcReduction="10000"/>
           </a:bodyPr>
           <a:lstStyle/>
           <a:p>
@@ -4107,6 +4107,47 @@
               </a:rPr>
               <a:t>API’s- musement and recipe buddy</a:t>
             </a:r>
+          </a:p>
+          <a:p>
+            <a:pPr marL="0" indent="0">
+              <a:buNone/>
+            </a:pPr>
+            <a:r>
+              <a:rPr lang="en-US" sz="1500" dirty="0">
+                <a:solidFill>
+                  <a:schemeClr val="tx1">
+                    <a:lumMod val="85000"/>
+                    <a:lumOff val="15000"/>
+                  </a:schemeClr>
+                </a:solidFill>
+                <a:latin typeface="Calibri Light" panose="020F0302020204030204" pitchFamily="34" charset="0"/>
+                <a:cs typeface="Calibri Light" panose="020F0302020204030204" pitchFamily="34" charset="0"/>
+              </a:rPr>
+              <a:t>Wireframe-</a:t>
+            </a:r>
+            <a:r>
+              <a:rPr lang="en-US" sz="1500" dirty="0" err="1">
+                <a:solidFill>
+                  <a:schemeClr val="tx1">
+                    <a:lumMod val="85000"/>
+                    <a:lumOff val="15000"/>
+                  </a:schemeClr>
+                </a:solidFill>
+                <a:latin typeface="Calibri Light" panose="020F0302020204030204" pitchFamily="34" charset="0"/>
+                <a:cs typeface="Calibri Light" panose="020F0302020204030204" pitchFamily="34" charset="0"/>
+              </a:rPr>
+              <a:t>draw.io</a:t>
+            </a:r>
+            <a:endParaRPr lang="en-US" sz="1500" dirty="0">
+              <a:solidFill>
+                <a:schemeClr val="tx1">
+                  <a:lumMod val="85000"/>
+                  <a:lumOff val="15000"/>
+                </a:schemeClr>
+              </a:solidFill>
+              <a:latin typeface="Calibri Light" panose="020F0302020204030204" pitchFamily="34" charset="0"/>
+              <a:cs typeface="Calibri Light" panose="020F0302020204030204" pitchFamily="34" charset="0"/>
+            </a:endParaRPr>
           </a:p>
           <a:p>
             <a:pPr marL="0" indent="0">

--- a/Project1-Presentation.pptx
+++ b/Project1-Presentation.pptx
@@ -9,9 +9,10 @@
     <p:sldId id="257" r:id="rId3"/>
     <p:sldId id="258" r:id="rId4"/>
     <p:sldId id="259" r:id="rId5"/>
-    <p:sldId id="260" r:id="rId6"/>
-    <p:sldId id="261" r:id="rId7"/>
-    <p:sldId id="262" r:id="rId8"/>
+    <p:sldId id="263" r:id="rId6"/>
+    <p:sldId id="260" r:id="rId7"/>
+    <p:sldId id="261" r:id="rId8"/>
+    <p:sldId id="262" r:id="rId9"/>
   </p:sldIdLst>
   <p:sldSz cx="12192000" cy="6858000"/>
   <p:notesSz cx="6858000" cy="9144000"/>
@@ -265,7 +266,7 @@
           <a:p>
             <a:fld id="{4E8BBFB0-A75E-A74D-BEB6-2C5844AC5F02}" type="datetimeFigureOut">
               <a:rPr lang="en-US" smtClean="0"/>
-              <a:t>3/27/20</a:t>
+              <a:t>3/28/20</a:t>
             </a:fld>
             <a:endParaRPr lang="en-US"/>
           </a:p>
@@ -463,7 +464,7 @@
           <a:p>
             <a:fld id="{4E8BBFB0-A75E-A74D-BEB6-2C5844AC5F02}" type="datetimeFigureOut">
               <a:rPr lang="en-US" smtClean="0"/>
-              <a:t>3/27/20</a:t>
+              <a:t>3/28/20</a:t>
             </a:fld>
             <a:endParaRPr lang="en-US"/>
           </a:p>
@@ -671,7 +672,7 @@
           <a:p>
             <a:fld id="{4E8BBFB0-A75E-A74D-BEB6-2C5844AC5F02}" type="datetimeFigureOut">
               <a:rPr lang="en-US" smtClean="0"/>
-              <a:t>3/27/20</a:t>
+              <a:t>3/28/20</a:t>
             </a:fld>
             <a:endParaRPr lang="en-US"/>
           </a:p>
@@ -869,7 +870,7 @@
           <a:p>
             <a:fld id="{4E8BBFB0-A75E-A74D-BEB6-2C5844AC5F02}" type="datetimeFigureOut">
               <a:rPr lang="en-US" smtClean="0"/>
-              <a:t>3/27/20</a:t>
+              <a:t>3/28/20</a:t>
             </a:fld>
             <a:endParaRPr lang="en-US"/>
           </a:p>
@@ -1144,7 +1145,7 @@
           <a:p>
             <a:fld id="{4E8BBFB0-A75E-A74D-BEB6-2C5844AC5F02}" type="datetimeFigureOut">
               <a:rPr lang="en-US" smtClean="0"/>
-              <a:t>3/27/20</a:t>
+              <a:t>3/28/20</a:t>
             </a:fld>
             <a:endParaRPr lang="en-US"/>
           </a:p>
@@ -1409,7 +1410,7 @@
           <a:p>
             <a:fld id="{4E8BBFB0-A75E-A74D-BEB6-2C5844AC5F02}" type="datetimeFigureOut">
               <a:rPr lang="en-US" smtClean="0"/>
-              <a:t>3/27/20</a:t>
+              <a:t>3/28/20</a:t>
             </a:fld>
             <a:endParaRPr lang="en-US"/>
           </a:p>
@@ -1821,7 +1822,7 @@
           <a:p>
             <a:fld id="{4E8BBFB0-A75E-A74D-BEB6-2C5844AC5F02}" type="datetimeFigureOut">
               <a:rPr lang="en-US" smtClean="0"/>
-              <a:t>3/27/20</a:t>
+              <a:t>3/28/20</a:t>
             </a:fld>
             <a:endParaRPr lang="en-US"/>
           </a:p>
@@ -1962,7 +1963,7 @@
           <a:p>
             <a:fld id="{4E8BBFB0-A75E-A74D-BEB6-2C5844AC5F02}" type="datetimeFigureOut">
               <a:rPr lang="en-US" smtClean="0"/>
-              <a:t>3/27/20</a:t>
+              <a:t>3/28/20</a:t>
             </a:fld>
             <a:endParaRPr lang="en-US"/>
           </a:p>
@@ -2075,7 +2076,7 @@
           <a:p>
             <a:fld id="{4E8BBFB0-A75E-A74D-BEB6-2C5844AC5F02}" type="datetimeFigureOut">
               <a:rPr lang="en-US" smtClean="0"/>
-              <a:t>3/27/20</a:t>
+              <a:t>3/28/20</a:t>
             </a:fld>
             <a:endParaRPr lang="en-US"/>
           </a:p>
@@ -2386,7 +2387,7 @@
           <a:p>
             <a:fld id="{4E8BBFB0-A75E-A74D-BEB6-2C5844AC5F02}" type="datetimeFigureOut">
               <a:rPr lang="en-US" smtClean="0"/>
-              <a:t>3/27/20</a:t>
+              <a:t>3/28/20</a:t>
             </a:fld>
             <a:endParaRPr lang="en-US"/>
           </a:p>
@@ -2674,7 +2675,7 @@
           <a:p>
             <a:fld id="{4E8BBFB0-A75E-A74D-BEB6-2C5844AC5F02}" type="datetimeFigureOut">
               <a:rPr lang="en-US" smtClean="0"/>
-              <a:t>3/27/20</a:t>
+              <a:t>3/28/20</a:t>
             </a:fld>
             <a:endParaRPr lang="en-US"/>
           </a:p>
@@ -2915,7 +2916,7 @@
           <a:p>
             <a:fld id="{4E8BBFB0-A75E-A74D-BEB6-2C5844AC5F02}" type="datetimeFigureOut">
               <a:rPr lang="en-US" smtClean="0"/>
-              <a:t>3/27/20</a:t>
+              <a:t>3/28/20</a:t>
             </a:fld>
             <a:endParaRPr lang="en-US"/>
           </a:p>
@@ -3610,7 +3611,7 @@
               <a:buNone/>
             </a:pPr>
             <a:r>
-              <a:rPr lang="en-US" sz="1800" dirty="0">
+              <a:rPr lang="en-US" sz="2400" dirty="0">
                 <a:latin typeface="Calibri Light" panose="020F0302020204030204" pitchFamily="34" charset="0"/>
                 <a:cs typeface="Calibri Light" panose="020F0302020204030204" pitchFamily="34" charset="0"/>
               </a:rPr>
@@ -4334,7 +4335,7 @@
       <p:bgPr>
         <a:gradFill>
           <a:gsLst>
-            <a:gs pos="77000">
+            <a:gs pos="46000">
               <a:schemeClr val="bg1"/>
             </a:gs>
             <a:gs pos="87500">
@@ -4343,16 +4344,16 @@
             <a:gs pos="75000">
               <a:schemeClr val="bg1"/>
             </a:gs>
-            <a:gs pos="68000">
+            <a:gs pos="23000">
               <a:schemeClr val="bg1"/>
             </a:gs>
-            <a:gs pos="64000">
+            <a:gs pos="61000">
               <a:schemeClr val="bg1"/>
             </a:gs>
             <a:gs pos="9000">
               <a:srgbClr val="00C9C2"/>
             </a:gs>
-            <a:gs pos="19000">
+            <a:gs pos="0">
               <a:srgbClr val="00C2BC"/>
             </a:gs>
             <a:gs pos="3000">
@@ -4386,64 +4387,540 @@
       </p:grpSpPr>
       <p:sp>
         <p:nvSpPr>
-          <p:cNvPr id="3" name="Content Placeholder 2">
-            <a:extLst>
-              <a:ext uri="{FF2B5EF4-FFF2-40B4-BE49-F238E27FC236}">
-                <a16:creationId xmlns:a16="http://schemas.microsoft.com/office/drawing/2014/main" id="{BFBBD9DB-C1CC-3145-88A8-628A358677B9}"/>
-              </a:ext>
-            </a:extLst>
-          </p:cNvPr>
-          <p:cNvSpPr>
-            <a:spLocks noGrp="1"/>
-          </p:cNvSpPr>
-          <p:nvPr>
-            <p:ph idx="1"/>
+          <p:cNvPr id="2" name="Title 1">
+            <a:extLst>
+              <a:ext uri="{FF2B5EF4-FFF2-40B4-BE49-F238E27FC236}">
+                <a16:creationId xmlns:a16="http://schemas.microsoft.com/office/drawing/2014/main" id="{667755D0-ACB5-A848-9D46-A2C7B92E2DA1}"/>
+              </a:ext>
+            </a:extLst>
+          </p:cNvPr>
+          <p:cNvSpPr>
+            <a:spLocks noGrp="1"/>
+          </p:cNvSpPr>
+          <p:nvPr>
+            <p:ph type="title"/>
           </p:nvPr>
         </p:nvSpPr>
         <p:spPr/>
         <p:txBody>
-          <a:bodyPr>
-            <a:normAutofit/>
-          </a:bodyPr>
-          <a:lstStyle/>
-          <a:p>
-            <a:pPr marL="0" indent="0" algn="ctr">
-              <a:buNone/>
-            </a:pPr>
-            <a:endParaRPr lang="en-US" sz="4800" dirty="0"/>
-          </a:p>
-          <a:p>
-            <a:pPr marL="0" indent="0" algn="ctr">
-              <a:buNone/>
-            </a:pPr>
-            <a:r>
-              <a:rPr lang="en-US" sz="4400" dirty="0">
+          <a:bodyPr/>
+          <a:lstStyle/>
+          <a:p>
+            <a:pPr algn="ctr"/>
+            <a:r>
+              <a:rPr lang="en-US" dirty="0">
                 <a:solidFill>
                   <a:schemeClr val="bg1"/>
                 </a:solidFill>
               </a:rPr>
-              <a:t>Demo</a:t>
-            </a:r>
-          </a:p>
-          <a:p>
-            <a:pPr marL="0" indent="0" algn="ctr">
-              <a:buNone/>
-            </a:pPr>
-            <a:r>
-              <a:rPr lang="en-US" sz="4800" dirty="0">
-                <a:solidFill>
-                  <a:schemeClr val="bg1"/>
-                </a:solidFill>
-              </a:rPr>
-              <a:t> </a:t>
-            </a:r>
-          </a:p>
-        </p:txBody>
-      </p:sp>
+              <a:t>Status Table</a:t>
+            </a:r>
+          </a:p>
+        </p:txBody>
+      </p:sp>
+      <p:graphicFrame>
+        <p:nvGraphicFramePr>
+          <p:cNvPr id="4" name="Content Placeholder 3">
+            <a:extLst>
+              <a:ext uri="{FF2B5EF4-FFF2-40B4-BE49-F238E27FC236}">
+                <a16:creationId xmlns:a16="http://schemas.microsoft.com/office/drawing/2014/main" id="{4B7D0DD2-F860-364C-AA26-B14124D7CFCB}"/>
+              </a:ext>
+            </a:extLst>
+          </p:cNvPr>
+          <p:cNvGraphicFramePr>
+            <a:graphicFrameLocks noGrp="1"/>
+          </p:cNvGraphicFramePr>
+          <p:nvPr>
+            <p:ph idx="1"/>
+            <p:extLst>
+              <p:ext uri="{D42A27DB-BD31-4B8C-83A1-F6EECF244321}">
+                <p14:modId xmlns:p14="http://schemas.microsoft.com/office/powerpoint/2010/main" val="3654253282"/>
+              </p:ext>
+            </p:extLst>
+          </p:nvPr>
+        </p:nvGraphicFramePr>
+        <p:xfrm>
+          <a:off x="512065" y="1825625"/>
+          <a:ext cx="11314176" cy="4150360"/>
+        </p:xfrm>
+        <a:graphic>
+          <a:graphicData uri="http://schemas.openxmlformats.org/drawingml/2006/table">
+            <a:tbl>
+              <a:tblPr firstRow="1" bandRow="1">
+                <a:tableStyleId>{5940675A-B579-460E-94D1-54222C63F5DA}</a:tableStyleId>
+              </a:tblPr>
+              <a:tblGrid>
+                <a:gridCol w="4385094">
+                  <a:extLst>
+                    <a:ext uri="{9D8B030D-6E8A-4147-A177-3AD203B41FA5}">
+                      <a16:colId xmlns:a16="http://schemas.microsoft.com/office/drawing/2014/main" val="2568027562"/>
+                    </a:ext>
+                  </a:extLst>
+                </a:gridCol>
+                <a:gridCol w="3464541">
+                  <a:extLst>
+                    <a:ext uri="{9D8B030D-6E8A-4147-A177-3AD203B41FA5}">
+                      <a16:colId xmlns:a16="http://schemas.microsoft.com/office/drawing/2014/main" val="1881449078"/>
+                    </a:ext>
+                  </a:extLst>
+                </a:gridCol>
+                <a:gridCol w="3464541">
+                  <a:extLst>
+                    <a:ext uri="{9D8B030D-6E8A-4147-A177-3AD203B41FA5}">
+                      <a16:colId xmlns:a16="http://schemas.microsoft.com/office/drawing/2014/main" val="925961504"/>
+                    </a:ext>
+                  </a:extLst>
+                </a:gridCol>
+              </a:tblGrid>
+              <a:tr h="370840">
+                <a:tc>
+                  <a:txBody>
+                    <a:bodyPr/>
+                    <a:lstStyle/>
+                    <a:p>
+                      <a:r>
+                        <a:rPr lang="en-US" b="1" dirty="0">
+                          <a:solidFill>
+                            <a:schemeClr val="tx1"/>
+                          </a:solidFill>
+                        </a:rPr>
+                        <a:t>Project Workflow and Summary</a:t>
+                      </a:r>
+                    </a:p>
+                  </a:txBody>
+                  <a:tcPr/>
+                </a:tc>
+                <a:tc>
+                  <a:txBody>
+                    <a:bodyPr/>
+                    <a:lstStyle/>
+                    <a:p>
+                      <a:r>
+                        <a:rPr lang="en-US" b="1" dirty="0">
+                          <a:solidFill>
+                            <a:schemeClr val="tx1"/>
+                          </a:solidFill>
+                        </a:rPr>
+                        <a:t>Description and Items Used</a:t>
+                      </a:r>
+                    </a:p>
+                  </a:txBody>
+                  <a:tcPr/>
+                </a:tc>
+                <a:tc>
+                  <a:txBody>
+                    <a:bodyPr/>
+                    <a:lstStyle/>
+                    <a:p>
+                      <a:r>
+                        <a:rPr lang="en-US" b="1" dirty="0">
+                          <a:solidFill>
+                            <a:schemeClr val="tx1"/>
+                          </a:solidFill>
+                        </a:rPr>
+                        <a:t>Status</a:t>
+                      </a:r>
+                    </a:p>
+                  </a:txBody>
+                  <a:tcPr/>
+                </a:tc>
+                <a:extLst>
+                  <a:ext uri="{0D108BD9-81ED-4DB2-BD59-A6C34878D82A}">
+                    <a16:rowId xmlns:a16="http://schemas.microsoft.com/office/drawing/2014/main" val="464875510"/>
+                  </a:ext>
+                </a:extLst>
+              </a:tr>
+              <a:tr h="204343">
+                <a:tc>
+                  <a:txBody>
+                    <a:bodyPr/>
+                    <a:lstStyle/>
+                    <a:p>
+                      <a:r>
+                        <a:rPr lang="en-US" dirty="0"/>
+                        <a:t>Project idea, plan and workflow</a:t>
+                      </a:r>
+                    </a:p>
+                  </a:txBody>
+                  <a:tcPr/>
+                </a:tc>
+                <a:tc>
+                  <a:txBody>
+                    <a:bodyPr/>
+                    <a:lstStyle/>
+                    <a:p>
+                      <a:r>
+                        <a:rPr lang="en-US" dirty="0"/>
+                        <a:t>Decided on the first day of the project</a:t>
+                      </a:r>
+                    </a:p>
+                  </a:txBody>
+                  <a:tcPr/>
+                </a:tc>
+                <a:tc>
+                  <a:txBody>
+                    <a:bodyPr/>
+                    <a:lstStyle/>
+                    <a:p>
+                      <a:r>
+                        <a:rPr lang="en-US" dirty="0"/>
+                        <a:t>Done</a:t>
+                      </a:r>
+                    </a:p>
+                  </a:txBody>
+                  <a:tcPr/>
+                </a:tc>
+                <a:extLst>
+                  <a:ext uri="{0D108BD9-81ED-4DB2-BD59-A6C34878D82A}">
+                    <a16:rowId xmlns:a16="http://schemas.microsoft.com/office/drawing/2014/main" val="3021807934"/>
+                  </a:ext>
+                </a:extLst>
+              </a:tr>
+              <a:tr h="370840">
+                <a:tc>
+                  <a:txBody>
+                    <a:bodyPr/>
+                    <a:lstStyle/>
+                    <a:p>
+                      <a:r>
+                        <a:rPr lang="en-US" dirty="0"/>
+                        <a:t>Wireframe</a:t>
+                      </a:r>
+                    </a:p>
+                  </a:txBody>
+                  <a:tcPr/>
+                </a:tc>
+                <a:tc>
+                  <a:txBody>
+                    <a:bodyPr/>
+                    <a:lstStyle/>
+                    <a:p>
+                      <a:r>
+                        <a:rPr lang="en-US" dirty="0"/>
+                        <a:t>Draw.io</a:t>
+                      </a:r>
+                    </a:p>
+                  </a:txBody>
+                  <a:tcPr/>
+                </a:tc>
+                <a:tc>
+                  <a:txBody>
+                    <a:bodyPr/>
+                    <a:lstStyle/>
+                    <a:p>
+                      <a:r>
+                        <a:rPr lang="en-US" dirty="0"/>
+                        <a:t>Done</a:t>
+                      </a:r>
+                    </a:p>
+                  </a:txBody>
+                  <a:tcPr/>
+                </a:tc>
+                <a:extLst>
+                  <a:ext uri="{0D108BD9-81ED-4DB2-BD59-A6C34878D82A}">
+                    <a16:rowId xmlns:a16="http://schemas.microsoft.com/office/drawing/2014/main" val="3832537881"/>
+                  </a:ext>
+                </a:extLst>
+              </a:tr>
+              <a:tr h="370840">
+                <a:tc>
+                  <a:txBody>
+                    <a:bodyPr/>
+                    <a:lstStyle/>
+                    <a:p>
+                      <a:r>
+                        <a:rPr lang="en-US" dirty="0"/>
+                        <a:t>Research Recipe API</a:t>
+                      </a:r>
+                    </a:p>
+                  </a:txBody>
+                  <a:tcPr/>
+                </a:tc>
+                <a:tc>
+                  <a:txBody>
+                    <a:bodyPr/>
+                    <a:lstStyle/>
+                    <a:p>
+                      <a:r>
+                        <a:rPr lang="en-US" dirty="0"/>
+                        <a:t>Recipe Buddy</a:t>
+                      </a:r>
+                    </a:p>
+                  </a:txBody>
+                  <a:tcPr/>
+                </a:tc>
+                <a:tc>
+                  <a:txBody>
+                    <a:bodyPr/>
+                    <a:lstStyle/>
+                    <a:p>
+                      <a:r>
+                        <a:rPr lang="en-US" dirty="0"/>
+                        <a:t>Done</a:t>
+                      </a:r>
+                    </a:p>
+                  </a:txBody>
+                  <a:tcPr/>
+                </a:tc>
+                <a:extLst>
+                  <a:ext uri="{0D108BD9-81ED-4DB2-BD59-A6C34878D82A}">
+                    <a16:rowId xmlns:a16="http://schemas.microsoft.com/office/drawing/2014/main" val="1149652806"/>
+                  </a:ext>
+                </a:extLst>
+              </a:tr>
+              <a:tr h="370840">
+                <a:tc>
+                  <a:txBody>
+                    <a:bodyPr/>
+                    <a:lstStyle/>
+                    <a:p>
+                      <a:r>
+                        <a:rPr lang="en-US" dirty="0"/>
+                        <a:t>Research Travel API</a:t>
+                      </a:r>
+                    </a:p>
+                  </a:txBody>
+                  <a:tcPr/>
+                </a:tc>
+                <a:tc>
+                  <a:txBody>
+                    <a:bodyPr/>
+                    <a:lstStyle/>
+                    <a:p>
+                      <a:r>
+                        <a:rPr lang="en-US" dirty="0"/>
+                        <a:t>Musement</a:t>
+                      </a:r>
+                    </a:p>
+                  </a:txBody>
+                  <a:tcPr/>
+                </a:tc>
+                <a:tc>
+                  <a:txBody>
+                    <a:bodyPr/>
+                    <a:lstStyle/>
+                    <a:p>
+                      <a:r>
+                        <a:rPr lang="en-US" dirty="0"/>
+                        <a:t>Done</a:t>
+                      </a:r>
+                    </a:p>
+                  </a:txBody>
+                  <a:tcPr/>
+                </a:tc>
+                <a:extLst>
+                  <a:ext uri="{0D108BD9-81ED-4DB2-BD59-A6C34878D82A}">
+                    <a16:rowId xmlns:a16="http://schemas.microsoft.com/office/drawing/2014/main" val="4120020555"/>
+                  </a:ext>
+                </a:extLst>
+              </a:tr>
+              <a:tr h="370840">
+                <a:tc>
+                  <a:txBody>
+                    <a:bodyPr/>
+                    <a:lstStyle/>
+                    <a:p>
+                      <a:r>
+                        <a:rPr lang="en-US" dirty="0"/>
+                        <a:t>Must include 2 JavaScript/jQuery</a:t>
+                      </a:r>
+                    </a:p>
+                  </a:txBody>
+                  <a:tcPr/>
+                </a:tc>
+                <a:tc>
+                  <a:txBody>
+                    <a:bodyPr/>
+                    <a:lstStyle/>
+                    <a:p>
+                      <a:r>
+                        <a:rPr lang="en-US" dirty="0"/>
+                        <a:t>API’s for travel and recipe</a:t>
+                      </a:r>
+                    </a:p>
+                  </a:txBody>
+                  <a:tcPr/>
+                </a:tc>
+                <a:tc>
+                  <a:txBody>
+                    <a:bodyPr/>
+                    <a:lstStyle/>
+                    <a:p>
+                      <a:r>
+                        <a:rPr lang="en-US" dirty="0"/>
+                        <a:t>Done</a:t>
+                      </a:r>
+                    </a:p>
+                  </a:txBody>
+                  <a:tcPr/>
+                </a:tc>
+                <a:extLst>
+                  <a:ext uri="{0D108BD9-81ED-4DB2-BD59-A6C34878D82A}">
+                    <a16:rowId xmlns:a16="http://schemas.microsoft.com/office/drawing/2014/main" val="3388303818"/>
+                  </a:ext>
+                </a:extLst>
+              </a:tr>
+              <a:tr h="370840">
+                <a:tc>
+                  <a:txBody>
+                    <a:bodyPr/>
+                    <a:lstStyle/>
+                    <a:p>
+                      <a:r>
+                        <a:rPr lang="en-US" dirty="0"/>
+                        <a:t>Must include CSS Framework</a:t>
+                      </a:r>
+                    </a:p>
+                  </a:txBody>
+                  <a:tcPr/>
+                </a:tc>
+                <a:tc>
+                  <a:txBody>
+                    <a:bodyPr/>
+                    <a:lstStyle/>
+                    <a:p>
+                      <a:r>
+                        <a:rPr lang="en-US" dirty="0"/>
+                        <a:t>Bulma</a:t>
+                      </a:r>
+                    </a:p>
+                  </a:txBody>
+                  <a:tcPr/>
+                </a:tc>
+                <a:tc>
+                  <a:txBody>
+                    <a:bodyPr/>
+                    <a:lstStyle/>
+                    <a:p>
+                      <a:r>
+                        <a:rPr lang="en-US" dirty="0"/>
+                        <a:t>Done</a:t>
+                      </a:r>
+                    </a:p>
+                  </a:txBody>
+                  <a:tcPr/>
+                </a:tc>
+                <a:extLst>
+                  <a:ext uri="{0D108BD9-81ED-4DB2-BD59-A6C34878D82A}">
+                    <a16:rowId xmlns:a16="http://schemas.microsoft.com/office/drawing/2014/main" val="3162639785"/>
+                  </a:ext>
+                </a:extLst>
+              </a:tr>
+              <a:tr h="370840">
+                <a:tc>
+                  <a:txBody>
+                    <a:bodyPr/>
+                    <a:lstStyle/>
+                    <a:p>
+                      <a:r>
+                        <a:rPr lang="en-US" dirty="0"/>
+                        <a:t>Must include different countries</a:t>
+                      </a:r>
+                    </a:p>
+                  </a:txBody>
+                  <a:tcPr/>
+                </a:tc>
+                <a:tc>
+                  <a:txBody>
+                    <a:bodyPr/>
+                    <a:lstStyle/>
+                    <a:p>
+                      <a:r>
+                        <a:rPr lang="en-US" dirty="0"/>
+                        <a:t>Google Sheets</a:t>
+                      </a:r>
+                    </a:p>
+                  </a:txBody>
+                  <a:tcPr/>
+                </a:tc>
+                <a:tc>
+                  <a:txBody>
+                    <a:bodyPr/>
+                    <a:lstStyle/>
+                    <a:p>
+                      <a:r>
+                        <a:rPr lang="en-US" dirty="0"/>
+                        <a:t>Done</a:t>
+                      </a:r>
+                    </a:p>
+                  </a:txBody>
+                  <a:tcPr/>
+                </a:tc>
+                <a:extLst>
+                  <a:ext uri="{0D108BD9-81ED-4DB2-BD59-A6C34878D82A}">
+                    <a16:rowId xmlns:a16="http://schemas.microsoft.com/office/drawing/2014/main" val="2185262077"/>
+                  </a:ext>
+                </a:extLst>
+              </a:tr>
+              <a:tr h="370840">
+                <a:tc>
+                  <a:txBody>
+                    <a:bodyPr/>
+                    <a:lstStyle/>
+                    <a:p>
+                      <a:r>
+                        <a:rPr lang="en-US" dirty="0"/>
+                        <a:t>Must include recipes from different countries</a:t>
+                      </a:r>
+                    </a:p>
+                    <a:p>
+                      <a:r>
+                        <a:rPr lang="en-US" dirty="0"/>
+                        <a:t>Debugging                                               </a:t>
+                      </a:r>
+                    </a:p>
+                  </a:txBody>
+                  <a:tcPr/>
+                </a:tc>
+                <a:tc>
+                  <a:txBody>
+                    <a:bodyPr/>
+                    <a:lstStyle/>
+                    <a:p>
+                      <a:r>
+                        <a:rPr lang="en-US" dirty="0"/>
+                        <a:t>Google Sheets</a:t>
+                      </a:r>
+                    </a:p>
+                  </a:txBody>
+                  <a:tcPr/>
+                </a:tc>
+                <a:tc>
+                  <a:txBody>
+                    <a:bodyPr/>
+                    <a:lstStyle/>
+                    <a:p>
+                      <a:r>
+                        <a:rPr lang="en-US" dirty="0"/>
+                        <a:t>Done</a:t>
+                      </a:r>
+                    </a:p>
+                    <a:p>
+                      <a:endParaRPr lang="en-US" dirty="0"/>
+                    </a:p>
+                    <a:p>
+                      <a:r>
+                        <a:rPr lang="en-US" dirty="0"/>
+                        <a:t>Done</a:t>
+                      </a:r>
+                    </a:p>
+                  </a:txBody>
+                  <a:tcPr/>
+                </a:tc>
+                <a:extLst>
+                  <a:ext uri="{0D108BD9-81ED-4DB2-BD59-A6C34878D82A}">
+                    <a16:rowId xmlns:a16="http://schemas.microsoft.com/office/drawing/2014/main" val="3764725690"/>
+                  </a:ext>
+                </a:extLst>
+              </a:tr>
+            </a:tbl>
+          </a:graphicData>
+        </a:graphic>
+      </p:graphicFrame>
     </p:spTree>
     <p:extLst>
       <p:ext uri="{BB962C8B-B14F-4D97-AF65-F5344CB8AC3E}">
-        <p14:creationId xmlns:p14="http://schemas.microsoft.com/office/powerpoint/2010/main" val="787914575"/>
+        <p14:creationId xmlns:p14="http://schemas.microsoft.com/office/powerpoint/2010/main" val="2334410635"/>
       </p:ext>
     </p:extLst>
   </p:cSld>
@@ -4460,7 +4937,7 @@
       <p:bgPr>
         <a:gradFill>
           <a:gsLst>
-            <a:gs pos="46000">
+            <a:gs pos="77000">
               <a:schemeClr val="bg1"/>
             </a:gs>
             <a:gs pos="87500">
@@ -4469,10 +4946,10 @@
             <a:gs pos="75000">
               <a:schemeClr val="bg1"/>
             </a:gs>
-            <a:gs pos="23000">
+            <a:gs pos="68000">
               <a:schemeClr val="bg1"/>
             </a:gs>
-            <a:gs pos="61000">
+            <a:gs pos="64000">
               <a:schemeClr val="bg1"/>
             </a:gs>
             <a:gs pos="9000">
@@ -4512,6 +4989,132 @@
       </p:grpSpPr>
       <p:sp>
         <p:nvSpPr>
+          <p:cNvPr id="3" name="Content Placeholder 2">
+            <a:extLst>
+              <a:ext uri="{FF2B5EF4-FFF2-40B4-BE49-F238E27FC236}">
+                <a16:creationId xmlns:a16="http://schemas.microsoft.com/office/drawing/2014/main" id="{BFBBD9DB-C1CC-3145-88A8-628A358677B9}"/>
+              </a:ext>
+            </a:extLst>
+          </p:cNvPr>
+          <p:cNvSpPr>
+            <a:spLocks noGrp="1"/>
+          </p:cNvSpPr>
+          <p:nvPr>
+            <p:ph idx="1"/>
+          </p:nvPr>
+        </p:nvSpPr>
+        <p:spPr/>
+        <p:txBody>
+          <a:bodyPr>
+            <a:normAutofit/>
+          </a:bodyPr>
+          <a:lstStyle/>
+          <a:p>
+            <a:pPr marL="0" indent="0" algn="ctr">
+              <a:buNone/>
+            </a:pPr>
+            <a:endParaRPr lang="en-US" sz="4800" dirty="0"/>
+          </a:p>
+          <a:p>
+            <a:pPr marL="0" indent="0" algn="ctr">
+              <a:buNone/>
+            </a:pPr>
+            <a:r>
+              <a:rPr lang="en-US" sz="4400" dirty="0">
+                <a:solidFill>
+                  <a:schemeClr val="bg1"/>
+                </a:solidFill>
+              </a:rPr>
+              <a:t>Demo</a:t>
+            </a:r>
+          </a:p>
+          <a:p>
+            <a:pPr marL="0" indent="0" algn="ctr">
+              <a:buNone/>
+            </a:pPr>
+            <a:r>
+              <a:rPr lang="en-US" sz="4800" dirty="0">
+                <a:solidFill>
+                  <a:schemeClr val="bg1"/>
+                </a:solidFill>
+              </a:rPr>
+              <a:t> </a:t>
+            </a:r>
+          </a:p>
+        </p:txBody>
+      </p:sp>
+    </p:spTree>
+    <p:extLst>
+      <p:ext uri="{BB962C8B-B14F-4D97-AF65-F5344CB8AC3E}">
+        <p14:creationId xmlns:p14="http://schemas.microsoft.com/office/powerpoint/2010/main" val="787914575"/>
+      </p:ext>
+    </p:extLst>
+  </p:cSld>
+  <p:clrMapOvr>
+    <a:masterClrMapping/>
+  </p:clrMapOvr>
+</p:sld>
+</file>
+
+<file path=ppt/slides/slide7.xml><?xml version="1.0" encoding="utf-8"?>
+<p:sld xmlns:a="http://schemas.openxmlformats.org/drawingml/2006/main" xmlns:r="http://schemas.openxmlformats.org/officeDocument/2006/relationships" xmlns:p="http://schemas.openxmlformats.org/presentationml/2006/main">
+  <p:cSld>
+    <p:bg>
+      <p:bgPr>
+        <a:gradFill>
+          <a:gsLst>
+            <a:gs pos="46000">
+              <a:schemeClr val="bg1"/>
+            </a:gs>
+            <a:gs pos="87500">
+              <a:schemeClr val="bg1"/>
+            </a:gs>
+            <a:gs pos="75000">
+              <a:schemeClr val="bg1"/>
+            </a:gs>
+            <a:gs pos="23000">
+              <a:schemeClr val="bg1"/>
+            </a:gs>
+            <a:gs pos="61000">
+              <a:schemeClr val="bg1"/>
+            </a:gs>
+            <a:gs pos="9000">
+              <a:srgbClr val="00C9C2"/>
+            </a:gs>
+            <a:gs pos="19000">
+              <a:srgbClr val="00C2BC"/>
+            </a:gs>
+            <a:gs pos="3000">
+              <a:srgbClr val="00C6A1"/>
+            </a:gs>
+            <a:gs pos="100000">
+              <a:schemeClr val="bg1"/>
+            </a:gs>
+            <a:gs pos="85000">
+              <a:schemeClr val="bg1"/>
+            </a:gs>
+          </a:gsLst>
+          <a:lin ang="5400000" scaled="1"/>
+        </a:gradFill>
+        <a:effectLst/>
+      </p:bgPr>
+    </p:bg>
+    <p:spTree>
+      <p:nvGrpSpPr>
+        <p:cNvPr id="1" name=""/>
+        <p:cNvGrpSpPr/>
+        <p:nvPr/>
+      </p:nvGrpSpPr>
+      <p:grpSpPr>
+        <a:xfrm>
+          <a:off x="0" y="0"/>
+          <a:ext cx="0" cy="0"/>
+          <a:chOff x="0" y="0"/>
+          <a:chExt cx="0" cy="0"/>
+        </a:xfrm>
+      </p:grpSpPr>
+      <p:sp>
+        <p:nvSpPr>
           <p:cNvPr id="6" name="TextBox 5">
             <a:extLst>
               <a:ext uri="{FF2B5EF4-FFF2-40B4-BE49-F238E27FC236}">
@@ -4769,7 +5372,7 @@
 </p:sld>
 </file>
 
-<file path=ppt/slides/slide7.xml><?xml version="1.0" encoding="utf-8"?>
+<file path=ppt/slides/slide8.xml><?xml version="1.0" encoding="utf-8"?>
 <p:sld xmlns:a="http://schemas.openxmlformats.org/drawingml/2006/main" xmlns:r="http://schemas.openxmlformats.org/officeDocument/2006/relationships" xmlns:p="http://schemas.openxmlformats.org/presentationml/2006/main">
   <p:cSld>
     <p:bg>
